--- a/SportPartnerFinder.pptx
+++ b/SportPartnerFinder.pptx
@@ -6,13 +6,15 @@
   </p:sldMasterIdLst>
   <p:sldIdLst>
     <p:sldId id="256" r:id="rId2"/>
-    <p:sldId id="257" r:id="rId3"/>
-    <p:sldId id="261" r:id="rId4"/>
-    <p:sldId id="262" r:id="rId5"/>
-    <p:sldId id="260" r:id="rId6"/>
-    <p:sldId id="258" r:id="rId7"/>
-    <p:sldId id="263" r:id="rId8"/>
-    <p:sldId id="264" r:id="rId9"/>
+    <p:sldId id="266" r:id="rId3"/>
+    <p:sldId id="257" r:id="rId4"/>
+    <p:sldId id="261" r:id="rId5"/>
+    <p:sldId id="262" r:id="rId6"/>
+    <p:sldId id="260" r:id="rId7"/>
+    <p:sldId id="258" r:id="rId8"/>
+    <p:sldId id="263" r:id="rId9"/>
+    <p:sldId id="264" r:id="rId10"/>
+    <p:sldId id="267" r:id="rId11"/>
   </p:sldIdLst>
   <p:sldSz cx="9144000" cy="6858000" type="screen4x3"/>
   <p:notesSz cx="6858000" cy="9144000"/>
@@ -3613,7 +3615,7 @@
 </p:sld>
 </file>
 
-<file path=ppt/slides/slide2.xml><?xml version="1.0" encoding="utf-8"?>
+<file path=ppt/slides/slide10.xml><?xml version="1.0" encoding="utf-8"?>
 <p:sld xmlns:a="http://schemas.openxmlformats.org/drawingml/2006/main" xmlns:r="http://schemas.openxmlformats.org/officeDocument/2006/relationships" xmlns:p="http://schemas.openxmlformats.org/presentationml/2006/main">
   <p:cSld>
     <p:spTree>
@@ -3632,141 +3634,33 @@
       </p:grpSpPr>
       <p:sp>
         <p:nvSpPr>
-          <p:cNvPr id="2" name="Title 1"/>
-          <p:cNvSpPr>
-            <a:spLocks noGrp="1"/>
-          </p:cNvSpPr>
-          <p:nvPr>
-            <p:ph type="title"/>
-          </p:nvPr>
-        </p:nvSpPr>
-        <p:spPr>
-          <a:xfrm>
-            <a:off x="3503066" y="2054655"/>
-            <a:ext cx="1832460" cy="610820"/>
-          </a:xfrm>
-        </p:spPr>
-        <p:txBody>
-          <a:bodyPr>
-            <a:noAutofit/>
+          <p:cNvPr id="4" name="TextBox 3"/>
+          <p:cNvSpPr txBox="1"/>
+          <p:nvPr/>
+        </p:nvSpPr>
+        <p:spPr>
+          <a:xfrm>
+            <a:off x="907080" y="2665475"/>
+            <a:ext cx="7281160" cy="1862048"/>
+          </a:xfrm>
+          <a:prstGeom prst="rect">
+            <a:avLst/>
+          </a:prstGeom>
+          <a:noFill/>
+        </p:spPr>
+        <p:txBody>
+          <a:bodyPr wrap="none" rtlCol="0">
+            <a:spAutoFit/>
           </a:bodyPr>
           <a:lstStyle/>
           <a:p>
             <a:r>
-              <a:rPr lang="en-US" dirty="0" smtClean="0">
-                <a:latin typeface="Comic Sans MS" panose="030F0702030302020204" pitchFamily="66" charset="0"/>
-              </a:rPr>
-              <a:t>Agenda</a:t>
-            </a:r>
-            <a:endParaRPr lang="en-US" dirty="0">
-              <a:latin typeface="Comic Sans MS" panose="030F0702030302020204" pitchFamily="66" charset="0"/>
-            </a:endParaRPr>
-          </a:p>
-        </p:txBody>
-      </p:sp>
-      <p:sp>
-        <p:nvSpPr>
-          <p:cNvPr id="3" name="Content Placeholder 2"/>
-          <p:cNvSpPr>
-            <a:spLocks noGrp="1"/>
-          </p:cNvSpPr>
-          <p:nvPr>
-            <p:ph idx="1"/>
-          </p:nvPr>
-        </p:nvSpPr>
-        <p:spPr>
-          <a:xfrm>
-            <a:off x="143555" y="2970885"/>
-            <a:ext cx="8229600" cy="4275739"/>
-          </a:xfrm>
-        </p:spPr>
-        <p:txBody>
-          <a:bodyPr/>
-          <a:lstStyle/>
-          <a:p>
-            <a:r>
-              <a:rPr lang="en-US" dirty="0" smtClean="0">
-                <a:latin typeface="Comic Sans MS" panose="030F0702030302020204" pitchFamily="66" charset="0"/>
-              </a:rPr>
-              <a:t>This web application facilitates </a:t>
-            </a:r>
-            <a:r>
-              <a:rPr lang="en-US" dirty="0">
-                <a:latin typeface="Comic Sans MS" panose="030F0702030302020204" pitchFamily="66" charset="0"/>
-              </a:rPr>
-              <a:t>people in finding partners to play a </a:t>
-            </a:r>
-            <a:r>
-              <a:rPr lang="en-US" dirty="0" smtClean="0">
-                <a:latin typeface="Comic Sans MS" panose="030F0702030302020204" pitchFamily="66" charset="0"/>
-              </a:rPr>
-              <a:t>sport and bringing likeminded people together. </a:t>
-            </a:r>
-          </a:p>
-          <a:p>
-            <a:r>
-              <a:rPr lang="en-US" dirty="0" smtClean="0">
-                <a:latin typeface="Comic Sans MS" panose="030F0702030302020204" pitchFamily="66" charset="0"/>
-              </a:rPr>
-              <a:t>Partner </a:t>
-            </a:r>
-            <a:r>
-              <a:rPr lang="en-US" dirty="0">
-                <a:latin typeface="Comic Sans MS" panose="030F0702030302020204" pitchFamily="66" charset="0"/>
-              </a:rPr>
-              <a:t>search is based on individual </a:t>
-            </a:r>
-            <a:r>
-              <a:rPr lang="en-US" dirty="0" smtClean="0">
-                <a:latin typeface="Comic Sans MS" panose="030F0702030302020204" pitchFamily="66" charset="0"/>
-              </a:rPr>
-              <a:t>preferences.</a:t>
-            </a:r>
-          </a:p>
-          <a:p>
-            <a:r>
-              <a:rPr lang="en-US" dirty="0" smtClean="0">
-                <a:latin typeface="Comic Sans MS" panose="030F0702030302020204" pitchFamily="66" charset="0"/>
-              </a:rPr>
-              <a:t>The user can base their search on their </a:t>
-            </a:r>
-            <a:r>
-              <a:rPr lang="en-US" dirty="0">
-                <a:latin typeface="Comic Sans MS" panose="030F0702030302020204" pitchFamily="66" charset="0"/>
-              </a:rPr>
-              <a:t>Favorite </a:t>
-            </a:r>
-            <a:r>
-              <a:rPr lang="en-US" dirty="0" smtClean="0">
-                <a:latin typeface="Comic Sans MS" panose="030F0702030302020204" pitchFamily="66" charset="0"/>
-              </a:rPr>
-              <a:t>Sport, available time </a:t>
-            </a:r>
-            <a:r>
-              <a:rPr lang="en-US" dirty="0">
-                <a:latin typeface="Comic Sans MS" panose="030F0702030302020204" pitchFamily="66" charset="0"/>
-              </a:rPr>
-              <a:t>s</a:t>
-            </a:r>
-            <a:r>
-              <a:rPr lang="en-US" dirty="0" smtClean="0">
-                <a:latin typeface="Comic Sans MS" panose="030F0702030302020204" pitchFamily="66" charset="0"/>
-              </a:rPr>
-              <a:t>chedule</a:t>
-            </a:r>
-            <a:r>
-              <a:rPr lang="en-US" dirty="0">
-                <a:latin typeface="Comic Sans MS" panose="030F0702030302020204" pitchFamily="66" charset="0"/>
-              </a:rPr>
-              <a:t>, </a:t>
-            </a:r>
-            <a:r>
-              <a:rPr lang="en-US" dirty="0" smtClean="0">
-                <a:latin typeface="Comic Sans MS" panose="030F0702030302020204" pitchFamily="66" charset="0"/>
-              </a:rPr>
-              <a:t>sport expertise level etc.</a:t>
-            </a:r>
-            <a:endParaRPr lang="en-US" dirty="0">
+              <a:rPr lang="en-US" sz="11500" dirty="0" smtClean="0">
+                <a:latin typeface="Comic Sans MS" panose="030F0702030302020204" pitchFamily="66" charset="0"/>
+              </a:rPr>
+              <a:t>Thank You</a:t>
+            </a:r>
+            <a:endParaRPr lang="en-US" sz="11500" dirty="0">
               <a:latin typeface="Comic Sans MS" panose="030F0702030302020204" pitchFamily="66" charset="0"/>
             </a:endParaRPr>
           </a:p>
@@ -3775,20 +3669,567 @@
     </p:spTree>
     <p:extLst>
       <p:ext uri="{BB962C8B-B14F-4D97-AF65-F5344CB8AC3E}">
-        <p14:creationId xmlns:p14="http://schemas.microsoft.com/office/powerpoint/2010/main" val="4103309497"/>
+        <p14:creationId xmlns:p14="http://schemas.microsoft.com/office/powerpoint/2010/main" val="3227043562"/>
       </p:ext>
     </p:extLst>
   </p:cSld>
   <p:clrMapOvr>
     <a:masterClrMapping/>
   </p:clrMapOvr>
-  <p:timing>
-    <p:tnLst>
-      <p:par>
-        <p:cTn id="1" dur="indefinite" restart="never" nodeType="tmRoot"/>
-      </p:par>
-    </p:tnLst>
-  </p:timing>
+</p:sld>
+</file>
+
+<file path=ppt/slides/slide2.xml><?xml version="1.0" encoding="utf-8"?>
+<p:sld xmlns:a="http://schemas.openxmlformats.org/drawingml/2006/main" xmlns:r="http://schemas.openxmlformats.org/officeDocument/2006/relationships" xmlns:p="http://schemas.openxmlformats.org/presentationml/2006/main">
+  <p:cSld>
+    <p:bg>
+      <p:bgPr>
+        <a:solidFill>
+          <a:srgbClr val="FDD339"/>
+        </a:solidFill>
+        <a:effectLst/>
+      </p:bgPr>
+    </p:bg>
+    <p:spTree>
+      <p:nvGrpSpPr>
+        <p:cNvPr id="1" name=""/>
+        <p:cNvGrpSpPr/>
+        <p:nvPr/>
+      </p:nvGrpSpPr>
+      <p:grpSpPr>
+        <a:xfrm>
+          <a:off x="0" y="0"/>
+          <a:ext cx="0" cy="0"/>
+          <a:chOff x="0" y="0"/>
+          <a:chExt cx="0" cy="0"/>
+        </a:xfrm>
+      </p:grpSpPr>
+      <p:pic>
+        <p:nvPicPr>
+          <p:cNvPr id="6" name="Picture 5"/>
+          <p:cNvPicPr>
+            <a:picLocks noChangeAspect="1"/>
+          </p:cNvPicPr>
+          <p:nvPr/>
+        </p:nvPicPr>
+        <p:blipFill>
+          <a:blip r:embed="rId2" cstate="print">
+            <a:extLst>
+              <a:ext uri="{28A0092B-C50C-407E-A947-70E740481C1C}">
+                <a14:useLocalDpi xmlns:a14="http://schemas.microsoft.com/office/drawing/2010/main" val="0"/>
+              </a:ext>
+            </a:extLst>
+          </a:blip>
+          <a:stretch>
+            <a:fillRect/>
+          </a:stretch>
+        </p:blipFill>
+        <p:spPr>
+          <a:xfrm>
+            <a:off x="6454056" y="3562469"/>
+            <a:ext cx="2600387" cy="2306952"/>
+          </a:xfrm>
+          <a:prstGeom prst="ellipse">
+            <a:avLst/>
+          </a:prstGeom>
+          <a:ln w="63500" cap="rnd">
+            <a:solidFill>
+              <a:srgbClr val="333333"/>
+            </a:solidFill>
+          </a:ln>
+          <a:effectLst>
+            <a:outerShdw blurRad="381000" dist="292100" dir="5400000" sx="-80000" sy="-18000" rotWithShape="0">
+              <a:srgbClr val="000000">
+                <a:alpha val="22000"/>
+              </a:srgbClr>
+            </a:outerShdw>
+          </a:effectLst>
+          <a:scene3d>
+            <a:camera prst="orthographicFront"/>
+            <a:lightRig rig="contrasting" dir="t">
+              <a:rot lat="0" lon="0" rev="3000000"/>
+            </a:lightRig>
+          </a:scene3d>
+          <a:sp3d contourW="7620">
+            <a:bevelT w="95250" h="31750"/>
+            <a:contourClr>
+              <a:srgbClr val="333333"/>
+            </a:contourClr>
+          </a:sp3d>
+        </p:spPr>
+      </p:pic>
+      <p:pic>
+        <p:nvPicPr>
+          <p:cNvPr id="7" name="Picture 6"/>
+          <p:cNvPicPr>
+            <a:picLocks noChangeAspect="1"/>
+          </p:cNvPicPr>
+          <p:nvPr/>
+        </p:nvPicPr>
+        <p:blipFill>
+          <a:blip r:embed="rId3" cstate="print">
+            <a:extLst>
+              <a:ext uri="{28A0092B-C50C-407E-A947-70E740481C1C}">
+                <a14:useLocalDpi xmlns:a14="http://schemas.microsoft.com/office/drawing/2010/main" val="0"/>
+              </a:ext>
+            </a:extLst>
+          </a:blip>
+          <a:stretch>
+            <a:fillRect/>
+          </a:stretch>
+        </p:blipFill>
+        <p:spPr>
+          <a:xfrm>
+            <a:off x="3194489" y="1810300"/>
+            <a:ext cx="2604613" cy="2594437"/>
+          </a:xfrm>
+          <a:prstGeom prst="ellipse">
+            <a:avLst/>
+          </a:prstGeom>
+          <a:ln w="63500" cap="rnd">
+            <a:solidFill>
+              <a:srgbClr val="333333"/>
+            </a:solidFill>
+          </a:ln>
+          <a:effectLst>
+            <a:outerShdw blurRad="381000" dist="292100" dir="5400000" sx="-80000" sy="-18000" rotWithShape="0">
+              <a:srgbClr val="000000">
+                <a:alpha val="22000"/>
+              </a:srgbClr>
+            </a:outerShdw>
+          </a:effectLst>
+          <a:scene3d>
+            <a:camera prst="orthographicFront"/>
+            <a:lightRig rig="contrasting" dir="t">
+              <a:rot lat="0" lon="0" rev="3000000"/>
+            </a:lightRig>
+          </a:scene3d>
+          <a:sp3d contourW="7620">
+            <a:bevelT w="95250" h="31750"/>
+            <a:contourClr>
+              <a:srgbClr val="333333"/>
+            </a:contourClr>
+          </a:sp3d>
+        </p:spPr>
+      </p:pic>
+      <p:pic>
+        <p:nvPicPr>
+          <p:cNvPr id="8" name="Picture 7"/>
+          <p:cNvPicPr>
+            <a:picLocks noChangeAspect="1"/>
+          </p:cNvPicPr>
+          <p:nvPr/>
+        </p:nvPicPr>
+        <p:blipFill>
+          <a:blip r:embed="rId4" cstate="print">
+            <a:extLst>
+              <a:ext uri="{28A0092B-C50C-407E-A947-70E740481C1C}">
+                <a14:useLocalDpi xmlns:a14="http://schemas.microsoft.com/office/drawing/2010/main" val="0"/>
+              </a:ext>
+            </a:extLst>
+          </a:blip>
+          <a:stretch>
+            <a:fillRect/>
+          </a:stretch>
+        </p:blipFill>
+        <p:spPr>
+          <a:xfrm>
+            <a:off x="273836" y="3632776"/>
+            <a:ext cx="2293080" cy="2177329"/>
+          </a:xfrm>
+          <a:prstGeom prst="ellipse">
+            <a:avLst/>
+          </a:prstGeom>
+          <a:ln w="63500" cap="rnd">
+            <a:solidFill>
+              <a:srgbClr val="333333"/>
+            </a:solidFill>
+          </a:ln>
+          <a:effectLst>
+            <a:outerShdw blurRad="381000" dist="292100" dir="5400000" sx="-80000" sy="-18000" rotWithShape="0">
+              <a:srgbClr val="000000">
+                <a:alpha val="22000"/>
+              </a:srgbClr>
+            </a:outerShdw>
+          </a:effectLst>
+          <a:scene3d>
+            <a:camera prst="orthographicFront"/>
+            <a:lightRig rig="contrasting" dir="t">
+              <a:rot lat="0" lon="0" rev="3000000"/>
+            </a:lightRig>
+          </a:scene3d>
+          <a:sp3d contourW="7620">
+            <a:bevelT w="95250" h="31750"/>
+            <a:contourClr>
+              <a:srgbClr val="333333"/>
+            </a:contourClr>
+          </a:sp3d>
+        </p:spPr>
+      </p:pic>
+      <p:pic>
+        <p:nvPicPr>
+          <p:cNvPr id="9" name="Picture 8"/>
+          <p:cNvPicPr>
+            <a:picLocks noChangeAspect="1"/>
+          </p:cNvPicPr>
+          <p:nvPr/>
+        </p:nvPicPr>
+        <p:blipFill>
+          <a:blip r:embed="rId5" cstate="print">
+            <a:extLst>
+              <a:ext uri="{28A0092B-C50C-407E-A947-70E740481C1C}">
+                <a14:useLocalDpi xmlns:a14="http://schemas.microsoft.com/office/drawing/2010/main" val="0"/>
+              </a:ext>
+            </a:extLst>
+          </a:blip>
+          <a:stretch>
+            <a:fillRect/>
+          </a:stretch>
+        </p:blipFill>
+        <p:spPr>
+          <a:xfrm>
+            <a:off x="6548415" y="365193"/>
+            <a:ext cx="2435115" cy="2306952"/>
+          </a:xfrm>
+          <a:prstGeom prst="ellipse">
+            <a:avLst/>
+          </a:prstGeom>
+          <a:ln w="63500" cap="rnd">
+            <a:solidFill>
+              <a:srgbClr val="333333"/>
+            </a:solidFill>
+          </a:ln>
+          <a:effectLst>
+            <a:outerShdw blurRad="381000" dist="292100" dir="5400000" sx="-80000" sy="-18000" rotWithShape="0">
+              <a:srgbClr val="000000">
+                <a:alpha val="22000"/>
+              </a:srgbClr>
+            </a:outerShdw>
+          </a:effectLst>
+          <a:scene3d>
+            <a:camera prst="orthographicFront"/>
+            <a:lightRig rig="contrasting" dir="t">
+              <a:rot lat="0" lon="0" rev="3000000"/>
+            </a:lightRig>
+          </a:scene3d>
+          <a:sp3d contourW="7620">
+            <a:bevelT w="95250" h="31750"/>
+            <a:contourClr>
+              <a:srgbClr val="333333"/>
+            </a:contourClr>
+          </a:sp3d>
+        </p:spPr>
+      </p:pic>
+      <p:pic>
+        <p:nvPicPr>
+          <p:cNvPr id="10" name="Picture 9"/>
+          <p:cNvPicPr>
+            <a:picLocks noChangeAspect="1"/>
+          </p:cNvPicPr>
+          <p:nvPr/>
+        </p:nvPicPr>
+        <p:blipFill>
+          <a:blip r:embed="rId6">
+            <a:extLst>
+              <a:ext uri="{28A0092B-C50C-407E-A947-70E740481C1C}">
+                <a14:useLocalDpi xmlns:a14="http://schemas.microsoft.com/office/drawing/2010/main" val="0"/>
+              </a:ext>
+            </a:extLst>
+          </a:blip>
+          <a:stretch>
+            <a:fillRect/>
+          </a:stretch>
+        </p:blipFill>
+        <p:spPr>
+          <a:xfrm>
+            <a:off x="69416" y="84306"/>
+            <a:ext cx="2452048" cy="2290575"/>
+          </a:xfrm>
+          <a:prstGeom prst="ellipse">
+            <a:avLst/>
+          </a:prstGeom>
+          <a:ln w="63500" cap="rnd">
+            <a:solidFill>
+              <a:srgbClr val="333333"/>
+            </a:solidFill>
+          </a:ln>
+          <a:effectLst>
+            <a:outerShdw blurRad="381000" dist="292100" dir="5400000" sx="-80000" sy="-18000" rotWithShape="0">
+              <a:srgbClr val="000000">
+                <a:alpha val="22000"/>
+              </a:srgbClr>
+            </a:outerShdw>
+          </a:effectLst>
+          <a:scene3d>
+            <a:camera prst="orthographicFront"/>
+            <a:lightRig rig="contrasting" dir="t">
+              <a:rot lat="0" lon="0" rev="3000000"/>
+            </a:lightRig>
+          </a:scene3d>
+          <a:sp3d contourW="7620">
+            <a:bevelT w="95250" h="31750"/>
+            <a:contourClr>
+              <a:srgbClr val="333333"/>
+            </a:contourClr>
+          </a:sp3d>
+        </p:spPr>
+      </p:pic>
+      <p:sp>
+        <p:nvSpPr>
+          <p:cNvPr id="11" name="TextBox 10"/>
+          <p:cNvSpPr txBox="1"/>
+          <p:nvPr/>
+        </p:nvSpPr>
+        <p:spPr>
+          <a:xfrm>
+            <a:off x="606049" y="2738187"/>
+            <a:ext cx="1596912" cy="400110"/>
+          </a:xfrm>
+          <a:prstGeom prst="rect">
+            <a:avLst/>
+          </a:prstGeom>
+          <a:noFill/>
+        </p:spPr>
+        <p:txBody>
+          <a:bodyPr wrap="none" rtlCol="0">
+            <a:spAutoFit/>
+          </a:bodyPr>
+          <a:lstStyle/>
+          <a:p>
+            <a:r>
+              <a:rPr lang="en-US" sz="2000" dirty="0" smtClean="0">
+                <a:latin typeface="Comic Sans MS" panose="030F0702030302020204" pitchFamily="66" charset="0"/>
+              </a:rPr>
+              <a:t>Vishal </a:t>
+            </a:r>
+            <a:r>
+              <a:rPr lang="en-US" sz="2000" dirty="0" err="1" smtClean="0">
+                <a:latin typeface="Comic Sans MS" panose="030F0702030302020204" pitchFamily="66" charset="0"/>
+              </a:rPr>
+              <a:t>Nand</a:t>
+            </a:r>
+            <a:endParaRPr lang="en-US" sz="2000" dirty="0">
+              <a:latin typeface="Comic Sans MS" panose="030F0702030302020204" pitchFamily="66" charset="0"/>
+            </a:endParaRPr>
+          </a:p>
+        </p:txBody>
+      </p:sp>
+      <p:sp>
+        <p:nvSpPr>
+          <p:cNvPr id="12" name="TextBox 11"/>
+          <p:cNvSpPr txBox="1"/>
+          <p:nvPr/>
+        </p:nvSpPr>
+        <p:spPr>
+          <a:xfrm>
+            <a:off x="74612" y="5945674"/>
+            <a:ext cx="2813591" cy="400110"/>
+          </a:xfrm>
+          <a:prstGeom prst="rect">
+            <a:avLst/>
+          </a:prstGeom>
+          <a:noFill/>
+        </p:spPr>
+        <p:txBody>
+          <a:bodyPr wrap="none" rtlCol="0">
+            <a:spAutoFit/>
+          </a:bodyPr>
+          <a:lstStyle/>
+          <a:p>
+            <a:r>
+              <a:rPr lang="en-US" sz="2000" dirty="0" err="1" smtClean="0">
+                <a:latin typeface="Comic Sans MS" panose="030F0702030302020204" pitchFamily="66" charset="0"/>
+              </a:rPr>
+              <a:t>Rupinder</a:t>
+            </a:r>
+            <a:r>
+              <a:rPr lang="en-US" sz="2000" dirty="0" smtClean="0">
+                <a:latin typeface="Comic Sans MS" panose="030F0702030302020204" pitchFamily="66" charset="0"/>
+              </a:rPr>
+              <a:t> Kaur Sandhu</a:t>
+            </a:r>
+            <a:endParaRPr lang="en-US" sz="2000" dirty="0">
+              <a:latin typeface="Comic Sans MS" panose="030F0702030302020204" pitchFamily="66" charset="0"/>
+            </a:endParaRPr>
+          </a:p>
+        </p:txBody>
+      </p:sp>
+      <p:sp>
+        <p:nvSpPr>
+          <p:cNvPr id="13" name="TextBox 12"/>
+          <p:cNvSpPr txBox="1"/>
+          <p:nvPr/>
+        </p:nvSpPr>
+        <p:spPr>
+          <a:xfrm>
+            <a:off x="3794679" y="4715945"/>
+            <a:ext cx="1790875" cy="400110"/>
+          </a:xfrm>
+          <a:prstGeom prst="rect">
+            <a:avLst/>
+          </a:prstGeom>
+          <a:noFill/>
+        </p:spPr>
+        <p:txBody>
+          <a:bodyPr wrap="none" rtlCol="0">
+            <a:spAutoFit/>
+          </a:bodyPr>
+          <a:lstStyle/>
+          <a:p>
+            <a:r>
+              <a:rPr lang="en-US" sz="2000" b="1" dirty="0" err="1" smtClean="0">
+                <a:latin typeface="Comic Sans MS" panose="030F0702030302020204" pitchFamily="66" charset="0"/>
+              </a:rPr>
+              <a:t>Pritul</a:t>
+            </a:r>
+            <a:r>
+              <a:rPr lang="en-US" sz="2000" b="1" dirty="0" smtClean="0">
+                <a:latin typeface="Comic Sans MS" panose="030F0702030302020204" pitchFamily="66" charset="0"/>
+              </a:rPr>
+              <a:t> </a:t>
+            </a:r>
+            <a:r>
+              <a:rPr lang="en-US" sz="2000" b="1" dirty="0" err="1" smtClean="0">
+                <a:latin typeface="Comic Sans MS" panose="030F0702030302020204" pitchFamily="66" charset="0"/>
+              </a:rPr>
+              <a:t>Padival</a:t>
+            </a:r>
+            <a:endParaRPr lang="en-US" sz="2000" b="1" dirty="0">
+              <a:latin typeface="Comic Sans MS" panose="030F0702030302020204" pitchFamily="66" charset="0"/>
+            </a:endParaRPr>
+          </a:p>
+        </p:txBody>
+      </p:sp>
+      <p:sp>
+        <p:nvSpPr>
+          <p:cNvPr id="14" name="TextBox 13"/>
+          <p:cNvSpPr txBox="1"/>
+          <p:nvPr/>
+        </p:nvSpPr>
+        <p:spPr>
+          <a:xfrm>
+            <a:off x="7052475" y="2907463"/>
+            <a:ext cx="1426994" cy="400110"/>
+          </a:xfrm>
+          <a:prstGeom prst="rect">
+            <a:avLst/>
+          </a:prstGeom>
+          <a:noFill/>
+        </p:spPr>
+        <p:txBody>
+          <a:bodyPr wrap="none" rtlCol="0">
+            <a:spAutoFit/>
+          </a:bodyPr>
+          <a:lstStyle/>
+          <a:p>
+            <a:r>
+              <a:rPr lang="en-US" sz="2000" b="1" dirty="0" smtClean="0">
+                <a:latin typeface="Comic Sans MS" panose="030F0702030302020204" pitchFamily="66" charset="0"/>
+              </a:rPr>
+              <a:t>Sam </a:t>
+            </a:r>
+            <a:r>
+              <a:rPr lang="en-US" sz="2000" b="1" dirty="0" err="1" smtClean="0">
+                <a:latin typeface="Comic Sans MS" panose="030F0702030302020204" pitchFamily="66" charset="0"/>
+              </a:rPr>
+              <a:t>Irani</a:t>
+            </a:r>
+            <a:endParaRPr lang="en-US" sz="2000" b="1" dirty="0">
+              <a:latin typeface="Comic Sans MS" panose="030F0702030302020204" pitchFamily="66" charset="0"/>
+            </a:endParaRPr>
+          </a:p>
+        </p:txBody>
+      </p:sp>
+      <p:sp>
+        <p:nvSpPr>
+          <p:cNvPr id="15" name="TextBox 14"/>
+          <p:cNvSpPr txBox="1"/>
+          <p:nvPr/>
+        </p:nvSpPr>
+        <p:spPr>
+          <a:xfrm>
+            <a:off x="6330240" y="5945674"/>
+            <a:ext cx="2653290" cy="461665"/>
+          </a:xfrm>
+          <a:prstGeom prst="rect">
+            <a:avLst/>
+          </a:prstGeom>
+          <a:noFill/>
+        </p:spPr>
+        <p:txBody>
+          <a:bodyPr wrap="none" rtlCol="0">
+            <a:spAutoFit/>
+          </a:bodyPr>
+          <a:lstStyle/>
+          <a:p>
+            <a:r>
+              <a:rPr lang="en-US" sz="2400" b="1" dirty="0" err="1" smtClean="0">
+                <a:latin typeface="Comic Sans MS" panose="030F0702030302020204" pitchFamily="66" charset="0"/>
+              </a:rPr>
+              <a:t>Anushree</a:t>
+            </a:r>
+            <a:r>
+              <a:rPr lang="en-US" sz="2400" b="1" dirty="0" smtClean="0">
+                <a:latin typeface="Comic Sans MS" panose="030F0702030302020204" pitchFamily="66" charset="0"/>
+              </a:rPr>
+              <a:t> </a:t>
+            </a:r>
+            <a:r>
+              <a:rPr lang="en-US" sz="2400" b="1" dirty="0" err="1" smtClean="0">
+                <a:latin typeface="Comic Sans MS" panose="030F0702030302020204" pitchFamily="66" charset="0"/>
+              </a:rPr>
+              <a:t>Ankola</a:t>
+            </a:r>
+            <a:endParaRPr lang="en-US" sz="2400" b="1" dirty="0">
+              <a:latin typeface="Comic Sans MS" panose="030F0702030302020204" pitchFamily="66" charset="0"/>
+            </a:endParaRPr>
+          </a:p>
+        </p:txBody>
+      </p:sp>
+      <p:sp>
+        <p:nvSpPr>
+          <p:cNvPr id="16" name="TextBox 15"/>
+          <p:cNvSpPr txBox="1"/>
+          <p:nvPr/>
+        </p:nvSpPr>
+        <p:spPr>
+          <a:xfrm>
+            <a:off x="3379501" y="394034"/>
+            <a:ext cx="2206053" cy="923330"/>
+          </a:xfrm>
+          <a:prstGeom prst="rect">
+            <a:avLst/>
+          </a:prstGeom>
+          <a:noFill/>
+        </p:spPr>
+        <p:txBody>
+          <a:bodyPr wrap="none" rtlCol="0">
+            <a:spAutoFit/>
+          </a:bodyPr>
+          <a:lstStyle/>
+          <a:p>
+            <a:r>
+              <a:rPr lang="en-US" sz="5400" dirty="0" smtClean="0">
+                <a:latin typeface="Comic Sans MS" panose="030F0702030302020204" pitchFamily="66" charset="0"/>
+              </a:rPr>
+              <a:t>TEAM</a:t>
+            </a:r>
+            <a:endParaRPr lang="en-US" sz="5400" dirty="0">
+              <a:latin typeface="Comic Sans MS" panose="030F0702030302020204" pitchFamily="66" charset="0"/>
+            </a:endParaRPr>
+          </a:p>
+        </p:txBody>
+      </p:sp>
+    </p:spTree>
+    <p:extLst>
+      <p:ext uri="{BB962C8B-B14F-4D97-AF65-F5344CB8AC3E}">
+        <p14:creationId xmlns:p14="http://schemas.microsoft.com/office/powerpoint/2010/main" val="3159432752"/>
+      </p:ext>
+    </p:extLst>
+  </p:cSld>
+  <p:clrMapOvr>
+    <a:masterClrMapping/>
+  </p:clrMapOvr>
 </p:sld>
 </file>
 
@@ -3821,19 +4262,21 @@
         </p:nvSpPr>
         <p:spPr>
           <a:xfrm>
-            <a:off x="1517900" y="1755170"/>
-            <a:ext cx="6566314" cy="763525"/>
-          </a:xfrm>
-        </p:spPr>
-        <p:txBody>
-          <a:bodyPr/>
+            <a:off x="3503066" y="2054655"/>
+            <a:ext cx="1832460" cy="610820"/>
+          </a:xfrm>
+        </p:spPr>
+        <p:txBody>
+          <a:bodyPr>
+            <a:noAutofit/>
+          </a:bodyPr>
           <a:lstStyle/>
           <a:p>
             <a:r>
               <a:rPr lang="en-US" dirty="0" smtClean="0">
                 <a:latin typeface="Comic Sans MS" panose="030F0702030302020204" pitchFamily="66" charset="0"/>
               </a:rPr>
-              <a:t>Why should people sign up?</a:t>
+              <a:t>Agenda</a:t>
             </a:r>
             <a:endParaRPr lang="en-US" dirty="0">
               <a:latin typeface="Comic Sans MS" panose="030F0702030302020204" pitchFamily="66" charset="0"/>
@@ -3853,46 +4296,106 @@
         </p:nvSpPr>
         <p:spPr>
           <a:xfrm>
-            <a:off x="1059785" y="2518695"/>
-            <a:ext cx="6566314" cy="4275740"/>
-          </a:xfrm>
-        </p:spPr>
-        <p:txBody>
-          <a:bodyPr>
-            <a:normAutofit fontScale="92500"/>
-          </a:bodyPr>
-          <a:lstStyle/>
-          <a:p>
-            <a:pPr marL="0" indent="0" algn="ctr">
-              <a:buNone/>
-            </a:pPr>
+            <a:off x="143555" y="2970885"/>
+            <a:ext cx="8229600" cy="4275739"/>
+          </a:xfrm>
+        </p:spPr>
+        <p:txBody>
+          <a:bodyPr/>
+          <a:lstStyle/>
+          <a:p>
+            <a:r>
+              <a:rPr lang="en-US" dirty="0" smtClean="0">
+                <a:latin typeface="Comic Sans MS" panose="030F0702030302020204" pitchFamily="66" charset="0"/>
+              </a:rPr>
+              <a:t>This web application facilitates </a:t>
+            </a:r>
             <a:r>
               <a:rPr lang="en-US" dirty="0">
                 <a:latin typeface="Comic Sans MS" panose="030F0702030302020204" pitchFamily="66" charset="0"/>
               </a:rPr>
-              <a:t>There can be several reasons, one being that people enjoy meeting new people while playing their favorite sports. Motivations to play can vary. If you are new to this area, you can find a sports partner who share the same interests as you.</a:t>
-            </a:r>
-          </a:p>
-          <a:p>
-            <a:pPr marL="0" indent="0" algn="ctr">
-              <a:buNone/>
-            </a:pPr>
+              <a:t>people in finding partners to play a </a:t>
+            </a:r>
+            <a:r>
+              <a:rPr lang="en-US" dirty="0" smtClean="0">
+                <a:latin typeface="Comic Sans MS" panose="030F0702030302020204" pitchFamily="66" charset="0"/>
+              </a:rPr>
+              <a:t>sport and bringing likeminded people together. </a:t>
+            </a:r>
+          </a:p>
+          <a:p>
+            <a:r>
+              <a:rPr lang="en-US" dirty="0" smtClean="0">
+                <a:latin typeface="Comic Sans MS" panose="030F0702030302020204" pitchFamily="66" charset="0"/>
+              </a:rPr>
+              <a:t>Partner </a:t>
+            </a:r>
             <a:r>
               <a:rPr lang="en-US" dirty="0">
                 <a:latin typeface="Comic Sans MS" panose="030F0702030302020204" pitchFamily="66" charset="0"/>
               </a:rPr>
-              <a:t>It can be useful if you want to meet somebody in general and explore your interest in trying a new sport together. </a:t>
-            </a:r>
-          </a:p>
-          <a:p>
-            <a:endParaRPr lang="en-US" dirty="0"/>
+              <a:t>search is based on individual </a:t>
+            </a:r>
+            <a:r>
+              <a:rPr lang="en-US" dirty="0" smtClean="0">
+                <a:latin typeface="Comic Sans MS" panose="030F0702030302020204" pitchFamily="66" charset="0"/>
+              </a:rPr>
+              <a:t>preferences.</a:t>
+            </a:r>
+          </a:p>
+          <a:p>
+            <a:r>
+              <a:rPr lang="en-US" dirty="0" smtClean="0">
+                <a:latin typeface="Comic Sans MS" panose="030F0702030302020204" pitchFamily="66" charset="0"/>
+              </a:rPr>
+              <a:t>The user can base their search on their </a:t>
+            </a:r>
+            <a:r>
+              <a:rPr lang="en-US" dirty="0">
+                <a:latin typeface="Comic Sans MS" panose="030F0702030302020204" pitchFamily="66" charset="0"/>
+              </a:rPr>
+              <a:t>Favorite </a:t>
+            </a:r>
+            <a:r>
+              <a:rPr lang="en-US" dirty="0" smtClean="0">
+                <a:latin typeface="Comic Sans MS" panose="030F0702030302020204" pitchFamily="66" charset="0"/>
+              </a:rPr>
+              <a:t>Sport, available time </a:t>
+            </a:r>
+            <a:r>
+              <a:rPr lang="en-US" dirty="0">
+                <a:latin typeface="Comic Sans MS" panose="030F0702030302020204" pitchFamily="66" charset="0"/>
+              </a:rPr>
+              <a:t>s</a:t>
+            </a:r>
+            <a:r>
+              <a:rPr lang="en-US" dirty="0" smtClean="0">
+                <a:latin typeface="Comic Sans MS" panose="030F0702030302020204" pitchFamily="66" charset="0"/>
+              </a:rPr>
+              <a:t>chedule</a:t>
+            </a:r>
+            <a:r>
+              <a:rPr lang="en-US" dirty="0">
+                <a:latin typeface="Comic Sans MS" panose="030F0702030302020204" pitchFamily="66" charset="0"/>
+              </a:rPr>
+              <a:t>, </a:t>
+            </a:r>
+            <a:r>
+              <a:rPr lang="en-US" dirty="0" smtClean="0">
+                <a:latin typeface="Comic Sans MS" panose="030F0702030302020204" pitchFamily="66" charset="0"/>
+              </a:rPr>
+              <a:t>sport expertise level etc.</a:t>
+            </a:r>
+            <a:endParaRPr lang="en-US" dirty="0">
+              <a:latin typeface="Comic Sans MS" panose="030F0702030302020204" pitchFamily="66" charset="0"/>
+            </a:endParaRPr>
           </a:p>
         </p:txBody>
       </p:sp>
     </p:spTree>
     <p:extLst>
       <p:ext uri="{BB962C8B-B14F-4D97-AF65-F5344CB8AC3E}">
-        <p14:creationId xmlns:p14="http://schemas.microsoft.com/office/powerpoint/2010/main" val="2441395978"/>
+        <p14:creationId xmlns:p14="http://schemas.microsoft.com/office/powerpoint/2010/main" val="4103309497"/>
       </p:ext>
     </p:extLst>
   </p:cSld>
@@ -3938,21 +4441,19 @@
         </p:nvSpPr>
         <p:spPr>
           <a:xfrm>
-            <a:off x="1976015" y="2054655"/>
-            <a:ext cx="8229600" cy="610820"/>
-          </a:xfrm>
-        </p:spPr>
-        <p:txBody>
-          <a:bodyPr>
-            <a:noAutofit/>
-          </a:bodyPr>
+            <a:off x="1517900" y="1755170"/>
+            <a:ext cx="6566314" cy="763525"/>
+          </a:xfrm>
+        </p:spPr>
+        <p:txBody>
+          <a:bodyPr/>
           <a:lstStyle/>
           <a:p>
             <a:r>
               <a:rPr lang="en-US" dirty="0" smtClean="0">
                 <a:latin typeface="Comic Sans MS" panose="030F0702030302020204" pitchFamily="66" charset="0"/>
               </a:rPr>
-              <a:t>How does it work?</a:t>
+              <a:t>Why should people sign up?</a:t>
             </a:r>
             <a:endParaRPr lang="en-US" dirty="0">
               <a:latin typeface="Comic Sans MS" panose="030F0702030302020204" pitchFamily="66" charset="0"/>
@@ -3972,63 +4473,38 @@
         </p:nvSpPr>
         <p:spPr>
           <a:xfrm>
-            <a:off x="0" y="2818180"/>
-            <a:ext cx="8229600" cy="4275739"/>
+            <a:off x="1059785" y="2518695"/>
+            <a:ext cx="6566314" cy="4275740"/>
           </a:xfrm>
         </p:spPr>
         <p:txBody>
           <a:bodyPr>
-            <a:normAutofit fontScale="92500" lnSpcReduction="10000"/>
+            <a:normAutofit fontScale="92500"/>
           </a:bodyPr>
           <a:lstStyle/>
           <a:p>
-            <a:pPr marL="514350" indent="-514350">
-              <a:buAutoNum type="arabicPeriod"/>
+            <a:pPr marL="0" indent="0" algn="ctr">
+              <a:buNone/>
             </a:pPr>
             <a:r>
-              <a:rPr lang="en-US" dirty="0" smtClean="0">
-                <a:latin typeface="Comic Sans MS" panose="030F0702030302020204" pitchFamily="66" charset="0"/>
-              </a:rPr>
-              <a:t>As a guest user you can to view all the sports and all the events created in your favorite sport by the existing members. </a:t>
-            </a:r>
-          </a:p>
-          <a:p>
-            <a:pPr marL="514350" indent="-514350">
-              <a:buAutoNum type="arabicPeriod"/>
+              <a:rPr lang="en-US" dirty="0">
+                <a:latin typeface="Comic Sans MS" panose="030F0702030302020204" pitchFamily="66" charset="0"/>
+              </a:rPr>
+              <a:t>There can be several reasons, one being that people enjoy meeting new people while playing their favorite sports. Motivations to play can vary. If you are new to this area, you can find a sports partner who share the same interests as you.</a:t>
+            </a:r>
+          </a:p>
+          <a:p>
+            <a:pPr marL="0" indent="0" algn="ctr">
+              <a:buNone/>
             </a:pPr>
             <a:r>
-              <a:rPr lang="en-US" dirty="0" smtClean="0">
-                <a:latin typeface="Comic Sans MS" panose="030F0702030302020204" pitchFamily="66" charset="0"/>
-              </a:rPr>
-              <a:t>The interested users can sign up. Once you are logged on, you can view your personal homepage with all the sports. </a:t>
-            </a:r>
-          </a:p>
-          <a:p>
-            <a:pPr marL="514350" indent="-514350">
-              <a:buAutoNum type="arabicPeriod"/>
-            </a:pPr>
-            <a:r>
-              <a:rPr lang="en-US" dirty="0" smtClean="0">
-                <a:latin typeface="Comic Sans MS" panose="030F0702030302020204" pitchFamily="66" charset="0"/>
-              </a:rPr>
-              <a:t>You can go to your favorite sport and initiate a new event or join the existing events. </a:t>
-            </a:r>
-          </a:p>
-          <a:p>
-            <a:pPr marL="514350" indent="-514350">
-              <a:buAutoNum type="arabicPeriod"/>
-            </a:pPr>
-            <a:r>
-              <a:rPr lang="en-US" dirty="0" smtClean="0">
-                <a:latin typeface="Comic Sans MS" panose="030F0702030302020204" pitchFamily="66" charset="0"/>
-              </a:rPr>
-              <a:t>You can filter on the basis of name, proficiency, age and location.	</a:t>
-            </a:r>
-          </a:p>
-          <a:p>
-            <a:pPr marL="514350" indent="-514350">
-              <a:buAutoNum type="arabicPeriod"/>
-            </a:pPr>
+              <a:rPr lang="en-US" dirty="0">
+                <a:latin typeface="Comic Sans MS" panose="030F0702030302020204" pitchFamily="66" charset="0"/>
+              </a:rPr>
+              <a:t>It can be useful if you want to meet somebody in general and explore your interest in trying a new sport together. </a:t>
+            </a:r>
+          </a:p>
+          <a:p>
             <a:endParaRPr lang="en-US" dirty="0"/>
           </a:p>
         </p:txBody>
@@ -4036,7 +4512,7 @@
     </p:spTree>
     <p:extLst>
       <p:ext uri="{BB962C8B-B14F-4D97-AF65-F5344CB8AC3E}">
-        <p14:creationId xmlns:p14="http://schemas.microsoft.com/office/powerpoint/2010/main" val="39677334"/>
+        <p14:creationId xmlns:p14="http://schemas.microsoft.com/office/powerpoint/2010/main" val="2441395978"/>
       </p:ext>
     </p:extLst>
   </p:cSld>
@@ -4082,19 +4558,21 @@
         </p:nvSpPr>
         <p:spPr>
           <a:xfrm>
-            <a:off x="296260" y="1626601"/>
-            <a:ext cx="6566314" cy="763525"/>
-          </a:xfrm>
-        </p:spPr>
-        <p:txBody>
-          <a:bodyPr/>
+            <a:off x="1976015" y="2054655"/>
+            <a:ext cx="8229600" cy="610820"/>
+          </a:xfrm>
+        </p:spPr>
+        <p:txBody>
+          <a:bodyPr>
+            <a:noAutofit/>
+          </a:bodyPr>
           <a:lstStyle/>
           <a:p>
             <a:r>
               <a:rPr lang="en-US" dirty="0" smtClean="0">
                 <a:latin typeface="Comic Sans MS" panose="030F0702030302020204" pitchFamily="66" charset="0"/>
               </a:rPr>
-              <a:t>Technologies used:</a:t>
+              <a:t>How does it work?</a:t>
             </a:r>
             <a:endParaRPr lang="en-US" dirty="0">
               <a:latin typeface="Comic Sans MS" panose="030F0702030302020204" pitchFamily="66" charset="0"/>
@@ -4114,76 +4592,63 @@
         </p:nvSpPr>
         <p:spPr>
           <a:xfrm>
-            <a:off x="296260" y="2360065"/>
-            <a:ext cx="6566314" cy="4275740"/>
-          </a:xfrm>
-        </p:spPr>
-        <p:txBody>
-          <a:bodyPr/>
-          <a:lstStyle/>
-          <a:p>
+            <a:off x="0" y="2818180"/>
+            <a:ext cx="8229600" cy="4275739"/>
+          </a:xfrm>
+        </p:spPr>
+        <p:txBody>
+          <a:bodyPr>
+            <a:normAutofit fontScale="92500" lnSpcReduction="10000"/>
+          </a:bodyPr>
+          <a:lstStyle/>
+          <a:p>
+            <a:pPr marL="514350" indent="-514350">
+              <a:buAutoNum type="arabicPeriod"/>
+            </a:pPr>
             <a:r>
               <a:rPr lang="en-US" dirty="0" smtClean="0">
                 <a:latin typeface="Comic Sans MS" panose="030F0702030302020204" pitchFamily="66" charset="0"/>
               </a:rPr>
-              <a:t>HTML 5</a:t>
-            </a:r>
-          </a:p>
-          <a:p>
+              <a:t>As a guest user you can to view all the sports and all the events created in your favorite sport by the existing members. </a:t>
+            </a:r>
+          </a:p>
+          <a:p>
+            <a:pPr marL="514350" indent="-514350">
+              <a:buAutoNum type="arabicPeriod"/>
+            </a:pPr>
             <a:r>
               <a:rPr lang="en-US" dirty="0" smtClean="0">
                 <a:latin typeface="Comic Sans MS" panose="030F0702030302020204" pitchFamily="66" charset="0"/>
               </a:rPr>
-              <a:t>CSS 3</a:t>
-            </a:r>
-          </a:p>
-          <a:p>
+              <a:t>The interested users can sign up. Once you are logged on, you can view your personal homepage with all the sports. </a:t>
+            </a:r>
+          </a:p>
+          <a:p>
+            <a:pPr marL="514350" indent="-514350">
+              <a:buAutoNum type="arabicPeriod"/>
+            </a:pPr>
             <a:r>
               <a:rPr lang="en-US" dirty="0" smtClean="0">
                 <a:latin typeface="Comic Sans MS" panose="030F0702030302020204" pitchFamily="66" charset="0"/>
               </a:rPr>
-              <a:t>PHP</a:t>
-            </a:r>
-          </a:p>
-          <a:p>
+              <a:t>You can go to your favorite sport and initiate a new event or join the existing events. </a:t>
+            </a:r>
+          </a:p>
+          <a:p>
+            <a:pPr marL="514350" indent="-514350">
+              <a:buAutoNum type="arabicPeriod"/>
+            </a:pPr>
             <a:r>
               <a:rPr lang="en-US" dirty="0" smtClean="0">
                 <a:latin typeface="Comic Sans MS" panose="030F0702030302020204" pitchFamily="66" charset="0"/>
               </a:rPr>
-              <a:t>MySql</a:t>
-            </a:r>
-          </a:p>
-          <a:p>
-            <a:r>
-              <a:rPr lang="en-US" dirty="0" smtClean="0">
-                <a:latin typeface="Comic Sans MS" panose="030F0702030302020204" pitchFamily="66" charset="0"/>
-              </a:rPr>
-              <a:t>Javascript</a:t>
-            </a:r>
-          </a:p>
-          <a:p>
-            <a:r>
-              <a:rPr lang="en-US" dirty="0" smtClean="0">
-                <a:latin typeface="Comic Sans MS" panose="030F0702030302020204" pitchFamily="66" charset="0"/>
-              </a:rPr>
-              <a:t>Xampp 3.2.2</a:t>
-            </a:r>
-          </a:p>
-          <a:p>
-            <a:r>
-              <a:rPr lang="en-US" dirty="0" smtClean="0">
-                <a:latin typeface="Comic Sans MS" panose="030F0702030302020204" pitchFamily="66" charset="0"/>
-              </a:rPr>
-              <a:t>Github</a:t>
-            </a:r>
-          </a:p>
-          <a:p>
-            <a:pPr marL="0" indent="0">
-              <a:buNone/>
+              <a:t>You can filter on the basis of name, proficiency, age and location.	</a:t>
+            </a:r>
+          </a:p>
+          <a:p>
+            <a:pPr marL="514350" indent="-514350">
+              <a:buAutoNum type="arabicPeriod"/>
             </a:pPr>
-            <a:endParaRPr lang="en-US" dirty="0" smtClean="0"/>
-          </a:p>
-          <a:p>
             <a:endParaRPr lang="en-US" dirty="0"/>
           </a:p>
         </p:txBody>
@@ -4191,7 +4656,7 @@
     </p:spTree>
     <p:extLst>
       <p:ext uri="{BB962C8B-B14F-4D97-AF65-F5344CB8AC3E}">
-        <p14:creationId xmlns:p14="http://schemas.microsoft.com/office/powerpoint/2010/main" val="1661500927"/>
+        <p14:creationId xmlns:p14="http://schemas.microsoft.com/office/powerpoint/2010/main" val="39677334"/>
       </p:ext>
     </p:extLst>
   </p:cSld>
@@ -4227,7 +4692,7 @@
       </p:grpSpPr>
       <p:sp>
         <p:nvSpPr>
-          <p:cNvPr id="16" name="Title 15"/>
+          <p:cNvPr id="2" name="Title 1"/>
           <p:cNvSpPr>
             <a:spLocks noGrp="1"/>
           </p:cNvSpPr>
@@ -4237,32 +4702,116 @@
         </p:nvSpPr>
         <p:spPr>
           <a:xfrm>
-            <a:off x="-161855" y="2665475"/>
-            <a:ext cx="9162300" cy="1221640"/>
-          </a:xfrm>
-        </p:spPr>
-        <p:txBody>
-          <a:bodyPr>
-            <a:noAutofit/>
-          </a:bodyPr>
-          <a:lstStyle/>
-          <a:p>
-            <a:r>
-              <a:rPr lang="en-US" sz="7200" dirty="0" smtClean="0">
-                <a:latin typeface="Comic Sans MS" panose="030F0702030302020204" pitchFamily="66" charset="0"/>
-              </a:rPr>
-              <a:t>DEMONSTRATION</a:t>
-            </a:r>
-            <a:endParaRPr lang="en-US" sz="7200" dirty="0">
+            <a:off x="296260" y="1626601"/>
+            <a:ext cx="6566314" cy="763525"/>
+          </a:xfrm>
+        </p:spPr>
+        <p:txBody>
+          <a:bodyPr/>
+          <a:lstStyle/>
+          <a:p>
+            <a:r>
+              <a:rPr lang="en-US" dirty="0" smtClean="0">
+                <a:latin typeface="Comic Sans MS" panose="030F0702030302020204" pitchFamily="66" charset="0"/>
+              </a:rPr>
+              <a:t>Technologies used:</a:t>
+            </a:r>
+            <a:endParaRPr lang="en-US" dirty="0">
               <a:latin typeface="Comic Sans MS" panose="030F0702030302020204" pitchFamily="66" charset="0"/>
             </a:endParaRPr>
+          </a:p>
+        </p:txBody>
+      </p:sp>
+      <p:sp>
+        <p:nvSpPr>
+          <p:cNvPr id="3" name="Content Placeholder 2"/>
+          <p:cNvSpPr>
+            <a:spLocks noGrp="1"/>
+          </p:cNvSpPr>
+          <p:nvPr>
+            <p:ph idx="1"/>
+          </p:nvPr>
+        </p:nvSpPr>
+        <p:spPr>
+          <a:xfrm>
+            <a:off x="296260" y="2360065"/>
+            <a:ext cx="6566314" cy="4275740"/>
+          </a:xfrm>
+        </p:spPr>
+        <p:txBody>
+          <a:bodyPr/>
+          <a:lstStyle/>
+          <a:p>
+            <a:r>
+              <a:rPr lang="en-US" dirty="0" smtClean="0">
+                <a:latin typeface="Comic Sans MS" panose="030F0702030302020204" pitchFamily="66" charset="0"/>
+              </a:rPr>
+              <a:t>HTML 5</a:t>
+            </a:r>
+          </a:p>
+          <a:p>
+            <a:r>
+              <a:rPr lang="en-US" dirty="0" smtClean="0">
+                <a:latin typeface="Comic Sans MS" panose="030F0702030302020204" pitchFamily="66" charset="0"/>
+              </a:rPr>
+              <a:t>CSS 3</a:t>
+            </a:r>
+          </a:p>
+          <a:p>
+            <a:r>
+              <a:rPr lang="en-US" dirty="0" smtClean="0">
+                <a:latin typeface="Comic Sans MS" panose="030F0702030302020204" pitchFamily="66" charset="0"/>
+              </a:rPr>
+              <a:t>PHP</a:t>
+            </a:r>
+          </a:p>
+          <a:p>
+            <a:r>
+              <a:rPr lang="en-US" dirty="0" smtClean="0">
+                <a:latin typeface="Comic Sans MS" panose="030F0702030302020204" pitchFamily="66" charset="0"/>
+              </a:rPr>
+              <a:t>MySql</a:t>
+            </a:r>
+          </a:p>
+          <a:p>
+            <a:r>
+              <a:rPr lang="en-US" dirty="0" smtClean="0">
+                <a:latin typeface="Comic Sans MS" panose="030F0702030302020204" pitchFamily="66" charset="0"/>
+              </a:rPr>
+              <a:t>Javascript</a:t>
+            </a:r>
+          </a:p>
+          <a:p>
+            <a:r>
+              <a:rPr lang="en-US" dirty="0" smtClean="0">
+                <a:latin typeface="Comic Sans MS" panose="030F0702030302020204" pitchFamily="66" charset="0"/>
+              </a:rPr>
+              <a:t>Xampp 3.2.2</a:t>
+            </a:r>
+          </a:p>
+          <a:p>
+            <a:r>
+              <a:rPr lang="en-US" dirty="0" smtClean="0">
+                <a:latin typeface="Comic Sans MS" panose="030F0702030302020204" pitchFamily="66" charset="0"/>
+              </a:rPr>
+              <a:t>Github</a:t>
+            </a:r>
+          </a:p>
+          <a:p>
+            <a:pPr marL="0" indent="0">
+              <a:buNone/>
+            </a:pPr>
+            <a:endParaRPr lang="en-US" dirty="0" smtClean="0"/>
+          </a:p>
+          <a:p>
+            <a:endParaRPr lang="en-US" dirty="0"/>
           </a:p>
         </p:txBody>
       </p:sp>
     </p:spTree>
     <p:extLst>
       <p:ext uri="{BB962C8B-B14F-4D97-AF65-F5344CB8AC3E}">
-        <p14:creationId xmlns:p14="http://schemas.microsoft.com/office/powerpoint/2010/main" val="4170783713"/>
+        <p14:creationId xmlns:p14="http://schemas.microsoft.com/office/powerpoint/2010/main" val="1661500927"/>
       </p:ext>
     </p:extLst>
   </p:cSld>
@@ -4298,6 +4847,77 @@
       </p:grpSpPr>
       <p:sp>
         <p:nvSpPr>
+          <p:cNvPr id="16" name="Title 15"/>
+          <p:cNvSpPr>
+            <a:spLocks noGrp="1"/>
+          </p:cNvSpPr>
+          <p:nvPr>
+            <p:ph type="title"/>
+          </p:nvPr>
+        </p:nvSpPr>
+        <p:spPr>
+          <a:xfrm>
+            <a:off x="-161855" y="2665475"/>
+            <a:ext cx="9162300" cy="1221640"/>
+          </a:xfrm>
+        </p:spPr>
+        <p:txBody>
+          <a:bodyPr>
+            <a:noAutofit/>
+          </a:bodyPr>
+          <a:lstStyle/>
+          <a:p>
+            <a:r>
+              <a:rPr lang="en-US" sz="7200" dirty="0" smtClean="0">
+                <a:latin typeface="Comic Sans MS" panose="030F0702030302020204" pitchFamily="66" charset="0"/>
+              </a:rPr>
+              <a:t>DEMONSTRATION</a:t>
+            </a:r>
+            <a:endParaRPr lang="en-US" sz="7200" dirty="0">
+              <a:latin typeface="Comic Sans MS" panose="030F0702030302020204" pitchFamily="66" charset="0"/>
+            </a:endParaRPr>
+          </a:p>
+        </p:txBody>
+      </p:sp>
+    </p:spTree>
+    <p:extLst>
+      <p:ext uri="{BB962C8B-B14F-4D97-AF65-F5344CB8AC3E}">
+        <p14:creationId xmlns:p14="http://schemas.microsoft.com/office/powerpoint/2010/main" val="4170783713"/>
+      </p:ext>
+    </p:extLst>
+  </p:cSld>
+  <p:clrMapOvr>
+    <a:masterClrMapping/>
+  </p:clrMapOvr>
+  <p:timing>
+    <p:tnLst>
+      <p:par>
+        <p:cTn id="1" dur="indefinite" restart="never" nodeType="tmRoot"/>
+      </p:par>
+    </p:tnLst>
+  </p:timing>
+</p:sld>
+</file>
+
+<file path=ppt/slides/slide8.xml><?xml version="1.0" encoding="utf-8"?>
+<p:sld xmlns:a="http://schemas.openxmlformats.org/drawingml/2006/main" xmlns:r="http://schemas.openxmlformats.org/officeDocument/2006/relationships" xmlns:p="http://schemas.openxmlformats.org/presentationml/2006/main">
+  <p:cSld>
+    <p:spTree>
+      <p:nvGrpSpPr>
+        <p:cNvPr id="1" name=""/>
+        <p:cNvGrpSpPr/>
+        <p:nvPr/>
+      </p:nvGrpSpPr>
+      <p:grpSpPr>
+        <a:xfrm>
+          <a:off x="0" y="0"/>
+          <a:ext cx="0" cy="0"/>
+          <a:chOff x="0" y="0"/>
+          <a:chExt cx="0" cy="0"/>
+        </a:xfrm>
+      </p:grpSpPr>
+      <p:sp>
+        <p:nvSpPr>
           <p:cNvPr id="4" name="Title 3"/>
           <p:cNvSpPr>
             <a:spLocks noGrp="1"/>
@@ -4392,7 +5012,7 @@
 </p:sld>
 </file>
 
-<file path=ppt/slides/slide8.xml><?xml version="1.0" encoding="utf-8"?>
+<file path=ppt/slides/slide9.xml><?xml version="1.0" encoding="utf-8"?>
 <p:sld xmlns:a="http://schemas.openxmlformats.org/drawingml/2006/main" xmlns:r="http://schemas.openxmlformats.org/officeDocument/2006/relationships" xmlns:p="http://schemas.openxmlformats.org/presentationml/2006/main">
   <p:cSld>
     <p:spTree>
